--- a/Documents/Our Docs/Slides/Sprint3PresentationAdrian.pptx
+++ b/Documents/Our Docs/Slides/Sprint3PresentationAdrian.pptx
@@ -207,7 +207,7 @@
           <a:p>
             <a:fld id="{87857EF3-CB16-4D9F-BA52-FAE19D95CBEC}" type="datetimeFigureOut">
               <a:rPr lang="en-US" smtClean="0"/>
-              <a:t>3/16/2015</a:t>
+              <a:t>3/17/2015</a:t>
             </a:fld>
             <a:endParaRPr lang="en-US"/>
           </a:p>
@@ -690,7 +690,7 @@
           <a:p>
             <a:fld id="{EF7662E3-674D-464C-A6F0-577B5998971D}" type="datetimeFigureOut">
               <a:rPr lang="en-US" smtClean="0"/>
-              <a:t>3/16/2015</a:t>
+              <a:t>3/17/2015</a:t>
             </a:fld>
             <a:endParaRPr lang="en-US"/>
           </a:p>
@@ -860,7 +860,7 @@
           <a:p>
             <a:fld id="{EF7662E3-674D-464C-A6F0-577B5998971D}" type="datetimeFigureOut">
               <a:rPr lang="en-US" smtClean="0"/>
-              <a:t>3/16/2015</a:t>
+              <a:t>3/17/2015</a:t>
             </a:fld>
             <a:endParaRPr lang="en-US"/>
           </a:p>
@@ -1040,7 +1040,7 @@
           <a:p>
             <a:fld id="{EF7662E3-674D-464C-A6F0-577B5998971D}" type="datetimeFigureOut">
               <a:rPr lang="en-US" smtClean="0"/>
-              <a:t>3/16/2015</a:t>
+              <a:t>3/17/2015</a:t>
             </a:fld>
             <a:endParaRPr lang="en-US"/>
           </a:p>
@@ -1210,7 +1210,7 @@
           <a:p>
             <a:fld id="{EF7662E3-674D-464C-A6F0-577B5998971D}" type="datetimeFigureOut">
               <a:rPr lang="en-US" smtClean="0"/>
-              <a:t>3/16/2015</a:t>
+              <a:t>3/17/2015</a:t>
             </a:fld>
             <a:endParaRPr lang="en-US"/>
           </a:p>
@@ -1456,7 +1456,7 @@
           <a:p>
             <a:fld id="{EF7662E3-674D-464C-A6F0-577B5998971D}" type="datetimeFigureOut">
               <a:rPr lang="en-US" smtClean="0"/>
-              <a:t>3/16/2015</a:t>
+              <a:t>3/17/2015</a:t>
             </a:fld>
             <a:endParaRPr lang="en-US"/>
           </a:p>
@@ -1688,7 +1688,7 @@
           <a:p>
             <a:fld id="{EF7662E3-674D-464C-A6F0-577B5998971D}" type="datetimeFigureOut">
               <a:rPr lang="en-US" smtClean="0"/>
-              <a:t>3/16/2015</a:t>
+              <a:t>3/17/2015</a:t>
             </a:fld>
             <a:endParaRPr lang="en-US"/>
           </a:p>
@@ -2055,7 +2055,7 @@
           <a:p>
             <a:fld id="{EF7662E3-674D-464C-A6F0-577B5998971D}" type="datetimeFigureOut">
               <a:rPr lang="en-US" smtClean="0"/>
-              <a:t>3/16/2015</a:t>
+              <a:t>3/17/2015</a:t>
             </a:fld>
             <a:endParaRPr lang="en-US"/>
           </a:p>
@@ -2173,7 +2173,7 @@
           <a:p>
             <a:fld id="{EF7662E3-674D-464C-A6F0-577B5998971D}" type="datetimeFigureOut">
               <a:rPr lang="en-US" smtClean="0"/>
-              <a:t>3/16/2015</a:t>
+              <a:t>3/17/2015</a:t>
             </a:fld>
             <a:endParaRPr lang="en-US"/>
           </a:p>
@@ -2268,7 +2268,7 @@
           <a:p>
             <a:fld id="{EF7662E3-674D-464C-A6F0-577B5998971D}" type="datetimeFigureOut">
               <a:rPr lang="en-US" smtClean="0"/>
-              <a:t>3/16/2015</a:t>
+              <a:t>3/17/2015</a:t>
             </a:fld>
             <a:endParaRPr lang="en-US"/>
           </a:p>
@@ -2545,7 +2545,7 @@
           <a:p>
             <a:fld id="{EF7662E3-674D-464C-A6F0-577B5998971D}" type="datetimeFigureOut">
               <a:rPr lang="en-US" smtClean="0"/>
-              <a:t>3/16/2015</a:t>
+              <a:t>3/17/2015</a:t>
             </a:fld>
             <a:endParaRPr lang="en-US"/>
           </a:p>
@@ -2798,7 +2798,7 @@
           <a:p>
             <a:fld id="{EF7662E3-674D-464C-A6F0-577B5998971D}" type="datetimeFigureOut">
               <a:rPr lang="en-US" smtClean="0"/>
-              <a:t>3/16/2015</a:t>
+              <a:t>3/17/2015</a:t>
             </a:fld>
             <a:endParaRPr lang="en-US"/>
           </a:p>
@@ -3011,7 +3011,7 @@
           <a:p>
             <a:fld id="{EF7662E3-674D-464C-A6F0-577B5998971D}" type="datetimeFigureOut">
               <a:rPr lang="en-US" smtClean="0"/>
-              <a:t>3/16/2015</a:t>
+              <a:t>3/17/2015</a:t>
             </a:fld>
             <a:endParaRPr lang="en-US"/>
           </a:p>
@@ -3864,11 +3864,7 @@
           <a:p>
             <a:r>
               <a:rPr lang="en-US" sz="5400" b="1" dirty="0" smtClean="0"/>
-              <a:t>Sprint </a:t>
-            </a:r>
-            <a:r>
-              <a:rPr lang="en-US" sz="5400" b="1" dirty="0" smtClean="0"/>
-              <a:t>3 Stories</a:t>
+              <a:t>Sprint 3 Stories</a:t>
             </a:r>
             <a:endParaRPr lang="en-US" sz="5400" b="1" dirty="0"/>
           </a:p>
@@ -3898,15 +3894,7 @@
           <a:p>
             <a:r>
               <a:rPr lang="en-US" sz="5400" b="1" dirty="0" smtClean="0"/>
-              <a:t>My Sprint </a:t>
-            </a:r>
-            <a:r>
-              <a:rPr lang="en-US" sz="5400" b="1" dirty="0" smtClean="0"/>
-              <a:t>3 </a:t>
-            </a:r>
-            <a:r>
-              <a:rPr lang="en-US" sz="5400" b="1" dirty="0" smtClean="0"/>
-              <a:t>Stories</a:t>
+              <a:t>My Sprint 3 Stories</a:t>
             </a:r>
             <a:endParaRPr lang="en-US" sz="5400" b="1" dirty="0"/>
           </a:p>
@@ -3936,11 +3924,7 @@
           <a:p>
             <a:r>
               <a:rPr lang="en-US" sz="4800" b="1" dirty="0" smtClean="0"/>
-              <a:t>Total </a:t>
-            </a:r>
-            <a:r>
-              <a:rPr lang="en-US" sz="4800" b="1" dirty="0" smtClean="0"/>
-              <a:t>?? pts</a:t>
+              <a:t>Total ?? pts</a:t>
             </a:r>
             <a:endParaRPr lang="en-US" sz="4800" b="1" dirty="0"/>
           </a:p>
@@ -3970,11 +3954,7 @@
           <a:p>
             <a:r>
               <a:rPr lang="en-US" sz="4800" b="1" dirty="0" smtClean="0"/>
-              <a:t>Total </a:t>
-            </a:r>
-            <a:r>
-              <a:rPr lang="en-US" sz="4800" b="1" dirty="0" smtClean="0"/>
-              <a:t>??</a:t>
+              <a:t>Total ??</a:t>
             </a:r>
             <a:endParaRPr lang="en-US" sz="4800" b="1" dirty="0"/>
           </a:p>
@@ -4411,11 +4391,7 @@
             <a:pPr algn="ctr"/>
             <a:r>
               <a:rPr lang="en-US" sz="5400" b="1" dirty="0" smtClean="0"/>
-              <a:t>Use </a:t>
-            </a:r>
-            <a:r>
-              <a:rPr lang="en-US" sz="5400" b="1" dirty="0" smtClean="0"/>
-              <a:t>Cases</a:t>
+              <a:t>Use Cases</a:t>
             </a:r>
             <a:endParaRPr lang="en-US" sz="5400" b="1" dirty="0"/>
           </a:p>
@@ -4603,11 +4579,7 @@
             <a:pPr algn="ctr"/>
             <a:r>
               <a:rPr lang="en-US" sz="5400" b="1" dirty="0" smtClean="0"/>
-              <a:t>Class Diagram </a:t>
-            </a:r>
-            <a:r>
-              <a:rPr lang="en-US" sz="5400" b="1" dirty="0" smtClean="0"/>
-              <a:t>(Utilization Dashboard)</a:t>
+              <a:t>Class Diagram (Utilization Dashboard)</a:t>
             </a:r>
             <a:endParaRPr lang="en-US" sz="5400" b="1" dirty="0"/>
           </a:p>
@@ -4615,7 +4587,7 @@
       </p:sp>
       <p:pic>
         <p:nvPicPr>
-          <p:cNvPr id="6" name="Picture 5"/>
+          <p:cNvPr id="2" name="Picture 1"/>
           <p:cNvPicPr>
             <a:picLocks noChangeAspect="1"/>
           </p:cNvPicPr>
@@ -4635,8 +4607,8 @@
         </p:blipFill>
         <p:spPr>
           <a:xfrm>
-            <a:off x="4380009" y="1251115"/>
-            <a:ext cx="3740409" cy="4958616"/>
+            <a:off x="3057099" y="923330"/>
+            <a:ext cx="5677468" cy="5791369"/>
           </a:xfrm>
           <a:prstGeom prst="rect">
             <a:avLst/>
@@ -4705,19 +4677,7 @@
             <a:pPr algn="ctr"/>
             <a:r>
               <a:rPr lang="en-US" sz="5400" b="1" dirty="0" smtClean="0"/>
-              <a:t>Sequence Diagram </a:t>
-            </a:r>
-            <a:r>
-              <a:rPr lang="en-US" sz="5400" b="1" dirty="0" smtClean="0"/>
-              <a:t>(Pul</a:t>
-            </a:r>
-            <a:r>
-              <a:rPr lang="en-US" sz="5400" b="1" dirty="0" smtClean="0"/>
-              <a:t>l New tickets</a:t>
-            </a:r>
-            <a:r>
-              <a:rPr lang="en-US" sz="5400" b="1" dirty="0" smtClean="0"/>
-              <a:t>)</a:t>
+              <a:t>Sequence Diagram (Pull New tickets)</a:t>
             </a:r>
             <a:endParaRPr lang="en-US" sz="5400" b="1" dirty="0"/>
           </a:p>

--- a/Documents/Our Docs/Slides/Sprint3PresentationAdrian.pptx
+++ b/Documents/Our Docs/Slides/Sprint3PresentationAdrian.pptx
@@ -207,7 +207,7 @@
           <a:p>
             <a:fld id="{87857EF3-CB16-4D9F-BA52-FAE19D95CBEC}" type="datetimeFigureOut">
               <a:rPr lang="en-US" smtClean="0"/>
-              <a:t>3/17/2015</a:t>
+              <a:t>3/20/2015</a:t>
             </a:fld>
             <a:endParaRPr lang="en-US"/>
           </a:p>
@@ -690,7 +690,7 @@
           <a:p>
             <a:fld id="{EF7662E3-674D-464C-A6F0-577B5998971D}" type="datetimeFigureOut">
               <a:rPr lang="en-US" smtClean="0"/>
-              <a:t>3/17/2015</a:t>
+              <a:t>3/20/2015</a:t>
             </a:fld>
             <a:endParaRPr lang="en-US"/>
           </a:p>
@@ -860,7 +860,7 @@
           <a:p>
             <a:fld id="{EF7662E3-674D-464C-A6F0-577B5998971D}" type="datetimeFigureOut">
               <a:rPr lang="en-US" smtClean="0"/>
-              <a:t>3/17/2015</a:t>
+              <a:t>3/20/2015</a:t>
             </a:fld>
             <a:endParaRPr lang="en-US"/>
           </a:p>
@@ -1040,7 +1040,7 @@
           <a:p>
             <a:fld id="{EF7662E3-674D-464C-A6F0-577B5998971D}" type="datetimeFigureOut">
               <a:rPr lang="en-US" smtClean="0"/>
-              <a:t>3/17/2015</a:t>
+              <a:t>3/20/2015</a:t>
             </a:fld>
             <a:endParaRPr lang="en-US"/>
           </a:p>
@@ -1210,7 +1210,7 @@
           <a:p>
             <a:fld id="{EF7662E3-674D-464C-A6F0-577B5998971D}" type="datetimeFigureOut">
               <a:rPr lang="en-US" smtClean="0"/>
-              <a:t>3/17/2015</a:t>
+              <a:t>3/20/2015</a:t>
             </a:fld>
             <a:endParaRPr lang="en-US"/>
           </a:p>
@@ -1456,7 +1456,7 @@
           <a:p>
             <a:fld id="{EF7662E3-674D-464C-A6F0-577B5998971D}" type="datetimeFigureOut">
               <a:rPr lang="en-US" smtClean="0"/>
-              <a:t>3/17/2015</a:t>
+              <a:t>3/20/2015</a:t>
             </a:fld>
             <a:endParaRPr lang="en-US"/>
           </a:p>
@@ -1688,7 +1688,7 @@
           <a:p>
             <a:fld id="{EF7662E3-674D-464C-A6F0-577B5998971D}" type="datetimeFigureOut">
               <a:rPr lang="en-US" smtClean="0"/>
-              <a:t>3/17/2015</a:t>
+              <a:t>3/20/2015</a:t>
             </a:fld>
             <a:endParaRPr lang="en-US"/>
           </a:p>
@@ -2055,7 +2055,7 @@
           <a:p>
             <a:fld id="{EF7662E3-674D-464C-A6F0-577B5998971D}" type="datetimeFigureOut">
               <a:rPr lang="en-US" smtClean="0"/>
-              <a:t>3/17/2015</a:t>
+              <a:t>3/20/2015</a:t>
             </a:fld>
             <a:endParaRPr lang="en-US"/>
           </a:p>
@@ -2173,7 +2173,7 @@
           <a:p>
             <a:fld id="{EF7662E3-674D-464C-A6F0-577B5998971D}" type="datetimeFigureOut">
               <a:rPr lang="en-US" smtClean="0"/>
-              <a:t>3/17/2015</a:t>
+              <a:t>3/20/2015</a:t>
             </a:fld>
             <a:endParaRPr lang="en-US"/>
           </a:p>
@@ -2268,7 +2268,7 @@
           <a:p>
             <a:fld id="{EF7662E3-674D-464C-A6F0-577B5998971D}" type="datetimeFigureOut">
               <a:rPr lang="en-US" smtClean="0"/>
-              <a:t>3/17/2015</a:t>
+              <a:t>3/20/2015</a:t>
             </a:fld>
             <a:endParaRPr lang="en-US"/>
           </a:p>
@@ -2545,7 +2545,7 @@
           <a:p>
             <a:fld id="{EF7662E3-674D-464C-A6F0-577B5998971D}" type="datetimeFigureOut">
               <a:rPr lang="en-US" smtClean="0"/>
-              <a:t>3/17/2015</a:t>
+              <a:t>3/20/2015</a:t>
             </a:fld>
             <a:endParaRPr lang="en-US"/>
           </a:p>
@@ -2798,7 +2798,7 @@
           <a:p>
             <a:fld id="{EF7662E3-674D-464C-A6F0-577B5998971D}" type="datetimeFigureOut">
               <a:rPr lang="en-US" smtClean="0"/>
-              <a:t>3/17/2015</a:t>
+              <a:t>3/20/2015</a:t>
             </a:fld>
             <a:endParaRPr lang="en-US"/>
           </a:p>
@@ -3011,7 +3011,7 @@
           <a:p>
             <a:fld id="{EF7662E3-674D-464C-A6F0-577B5998971D}" type="datetimeFigureOut">
               <a:rPr lang="en-US" smtClean="0"/>
-              <a:t>3/17/2015</a:t>
+              <a:t>3/20/2015</a:t>
             </a:fld>
             <a:endParaRPr lang="en-US"/>
           </a:p>
@@ -4399,7 +4399,7 @@
       </p:sp>
       <p:pic>
         <p:nvPicPr>
-          <p:cNvPr id="4" name="Picture 3"/>
+          <p:cNvPr id="2" name="Picture 1"/>
           <p:cNvPicPr>
             <a:picLocks noChangeAspect="1"/>
           </p:cNvPicPr>
@@ -4419,8 +4419,8 @@
         </p:blipFill>
         <p:spPr>
           <a:xfrm>
-            <a:off x="1346863" y="1402876"/>
-            <a:ext cx="8883202" cy="4888742"/>
+            <a:off x="937430" y="1279193"/>
+            <a:ext cx="9811590" cy="4411923"/>
           </a:xfrm>
           <a:prstGeom prst="rect">
             <a:avLst/>
@@ -4587,7 +4587,7 @@
       </p:sp>
       <p:pic>
         <p:nvPicPr>
-          <p:cNvPr id="2" name="Picture 1"/>
+          <p:cNvPr id="4" name="Picture 3"/>
           <p:cNvPicPr>
             <a:picLocks noChangeAspect="1"/>
           </p:cNvPicPr>
@@ -4607,8 +4607,8 @@
         </p:blipFill>
         <p:spPr>
           <a:xfrm>
-            <a:off x="3057099" y="923330"/>
-            <a:ext cx="5677468" cy="5791369"/>
+            <a:off x="3530646" y="923330"/>
+            <a:ext cx="4617067" cy="5777721"/>
           </a:xfrm>
           <a:prstGeom prst="rect">
             <a:avLst/>
@@ -4685,7 +4685,7 @@
       </p:sp>
       <p:pic>
         <p:nvPicPr>
-          <p:cNvPr id="2" name="Picture 1"/>
+          <p:cNvPr id="4" name="Picture 3"/>
           <p:cNvPicPr>
             <a:picLocks noChangeAspect="1"/>
           </p:cNvPicPr>
@@ -4705,8 +4705,8 @@
         </p:blipFill>
         <p:spPr>
           <a:xfrm>
-            <a:off x="573205" y="923330"/>
-            <a:ext cx="10713493" cy="5327345"/>
+            <a:off x="720019" y="1152951"/>
+            <a:ext cx="10731585" cy="5070428"/>
           </a:xfrm>
           <a:prstGeom prst="rect">
             <a:avLst/>
@@ -4787,30 +4787,6 @@
           </a:p>
         </p:txBody>
       </p:sp>
-      <p:pic>
-        <p:nvPicPr>
-          <p:cNvPr id="5" name="Picture 4"/>
-          <p:cNvPicPr>
-            <a:picLocks noChangeAspect="1"/>
-          </p:cNvPicPr>
-          <p:nvPr/>
-        </p:nvPicPr>
-        <p:blipFill>
-          <a:blip r:embed="rId2"/>
-          <a:stretch>
-            <a:fillRect/>
-          </a:stretch>
-        </p:blipFill>
-        <p:spPr>
-          <a:xfrm>
-            <a:off x="2584980" y="923330"/>
-            <a:ext cx="8242110" cy="5302155"/>
-          </a:xfrm>
-          <a:prstGeom prst="rect">
-            <a:avLst/>
-          </a:prstGeom>
-        </p:spPr>
-      </p:pic>
     </p:spTree>
     <p:extLst>
       <p:ext uri="{BB962C8B-B14F-4D97-AF65-F5344CB8AC3E}">

--- a/Documents/Our Docs/Slides/Sprint3PresentationAdrian.pptx
+++ b/Documents/Our Docs/Slides/Sprint3PresentationAdrian.pptx
@@ -207,7 +207,7 @@
           <a:p>
             <a:fld id="{87857EF3-CB16-4D9F-BA52-FAE19D95CBEC}" type="datetimeFigureOut">
               <a:rPr lang="en-US" smtClean="0"/>
-              <a:t>3/20/2015</a:t>
+              <a:t>3/22/2015</a:t>
             </a:fld>
             <a:endParaRPr lang="en-US"/>
           </a:p>
@@ -690,7 +690,7 @@
           <a:p>
             <a:fld id="{EF7662E3-674D-464C-A6F0-577B5998971D}" type="datetimeFigureOut">
               <a:rPr lang="en-US" smtClean="0"/>
-              <a:t>3/20/2015</a:t>
+              <a:t>3/22/2015</a:t>
             </a:fld>
             <a:endParaRPr lang="en-US"/>
           </a:p>
@@ -860,7 +860,7 @@
           <a:p>
             <a:fld id="{EF7662E3-674D-464C-A6F0-577B5998971D}" type="datetimeFigureOut">
               <a:rPr lang="en-US" smtClean="0"/>
-              <a:t>3/20/2015</a:t>
+              <a:t>3/22/2015</a:t>
             </a:fld>
             <a:endParaRPr lang="en-US"/>
           </a:p>
@@ -1040,7 +1040,7 @@
           <a:p>
             <a:fld id="{EF7662E3-674D-464C-A6F0-577B5998971D}" type="datetimeFigureOut">
               <a:rPr lang="en-US" smtClean="0"/>
-              <a:t>3/20/2015</a:t>
+              <a:t>3/22/2015</a:t>
             </a:fld>
             <a:endParaRPr lang="en-US"/>
           </a:p>
@@ -1210,7 +1210,7 @@
           <a:p>
             <a:fld id="{EF7662E3-674D-464C-A6F0-577B5998971D}" type="datetimeFigureOut">
               <a:rPr lang="en-US" smtClean="0"/>
-              <a:t>3/20/2015</a:t>
+              <a:t>3/22/2015</a:t>
             </a:fld>
             <a:endParaRPr lang="en-US"/>
           </a:p>
@@ -1456,7 +1456,7 @@
           <a:p>
             <a:fld id="{EF7662E3-674D-464C-A6F0-577B5998971D}" type="datetimeFigureOut">
               <a:rPr lang="en-US" smtClean="0"/>
-              <a:t>3/20/2015</a:t>
+              <a:t>3/22/2015</a:t>
             </a:fld>
             <a:endParaRPr lang="en-US"/>
           </a:p>
@@ -1688,7 +1688,7 @@
           <a:p>
             <a:fld id="{EF7662E3-674D-464C-A6F0-577B5998971D}" type="datetimeFigureOut">
               <a:rPr lang="en-US" smtClean="0"/>
-              <a:t>3/20/2015</a:t>
+              <a:t>3/22/2015</a:t>
             </a:fld>
             <a:endParaRPr lang="en-US"/>
           </a:p>
@@ -2055,7 +2055,7 @@
           <a:p>
             <a:fld id="{EF7662E3-674D-464C-A6F0-577B5998971D}" type="datetimeFigureOut">
               <a:rPr lang="en-US" smtClean="0"/>
-              <a:t>3/20/2015</a:t>
+              <a:t>3/22/2015</a:t>
             </a:fld>
             <a:endParaRPr lang="en-US"/>
           </a:p>
@@ -2173,7 +2173,7 @@
           <a:p>
             <a:fld id="{EF7662E3-674D-464C-A6F0-577B5998971D}" type="datetimeFigureOut">
               <a:rPr lang="en-US" smtClean="0"/>
-              <a:t>3/20/2015</a:t>
+              <a:t>3/22/2015</a:t>
             </a:fld>
             <a:endParaRPr lang="en-US"/>
           </a:p>
@@ -2268,7 +2268,7 @@
           <a:p>
             <a:fld id="{EF7662E3-674D-464C-A6F0-577B5998971D}" type="datetimeFigureOut">
               <a:rPr lang="en-US" smtClean="0"/>
-              <a:t>3/20/2015</a:t>
+              <a:t>3/22/2015</a:t>
             </a:fld>
             <a:endParaRPr lang="en-US"/>
           </a:p>
@@ -2545,7 +2545,7 @@
           <a:p>
             <a:fld id="{EF7662E3-674D-464C-A6F0-577B5998971D}" type="datetimeFigureOut">
               <a:rPr lang="en-US" smtClean="0"/>
-              <a:t>3/20/2015</a:t>
+              <a:t>3/22/2015</a:t>
             </a:fld>
             <a:endParaRPr lang="en-US"/>
           </a:p>
@@ -2798,7 +2798,7 @@
           <a:p>
             <a:fld id="{EF7662E3-674D-464C-A6F0-577B5998971D}" type="datetimeFigureOut">
               <a:rPr lang="en-US" smtClean="0"/>
-              <a:t>3/20/2015</a:t>
+              <a:t>3/22/2015</a:t>
             </a:fld>
             <a:endParaRPr lang="en-US"/>
           </a:p>
@@ -3011,7 +3011,7 @@
           <a:p>
             <a:fld id="{EF7662E3-674D-464C-A6F0-577B5998971D}" type="datetimeFigureOut">
               <a:rPr lang="en-US" smtClean="0"/>
-              <a:t>3/20/2015</a:t>
+              <a:t>3/22/2015</a:t>
             </a:fld>
             <a:endParaRPr lang="en-US"/>
           </a:p>
@@ -3772,37 +3772,17 @@
           <a:lstStyle/>
           <a:p>
             <a:r>
-              <a:rPr lang="en-US" sz="4800" b="1" dirty="0" smtClean="0"/>
-              <a:t>Total 40 pts</a:t>
+              <a:rPr lang="en-US" sz="4800" b="1" smtClean="0"/>
+              <a:t>Total </a:t>
+            </a:r>
+            <a:r>
+              <a:rPr lang="en-US" sz="4800" b="1" smtClean="0"/>
+              <a:t>??pts</a:t>
             </a:r>
             <a:endParaRPr lang="en-US" sz="4800" b="1" dirty="0"/>
           </a:p>
         </p:txBody>
       </p:sp>
-      <p:pic>
-        <p:nvPicPr>
-          <p:cNvPr id="2" name="Picture 1"/>
-          <p:cNvPicPr>
-            <a:picLocks noChangeAspect="1"/>
-          </p:cNvPicPr>
-          <p:nvPr/>
-        </p:nvPicPr>
-        <p:blipFill>
-          <a:blip r:embed="rId2"/>
-          <a:stretch>
-            <a:fillRect/>
-          </a:stretch>
-        </p:blipFill>
-        <p:spPr>
-          <a:xfrm>
-            <a:off x="4831309" y="1094936"/>
-            <a:ext cx="1992571" cy="5275285"/>
-          </a:xfrm>
-          <a:prstGeom prst="rect">
-            <a:avLst/>
-          </a:prstGeom>
-        </p:spPr>
-      </p:pic>
     </p:spTree>
     <p:extLst>
       <p:ext uri="{BB962C8B-B14F-4D97-AF65-F5344CB8AC3E}">
@@ -3908,7 +3888,7 @@
         </p:nvSpPr>
         <p:spPr>
           <a:xfrm>
-            <a:off x="2281474" y="4435958"/>
+            <a:off x="2964600" y="4449003"/>
             <a:ext cx="1896631" cy="1569660"/>
           </a:xfrm>
           <a:prstGeom prst="rect">
@@ -3924,7 +3904,11 @@
           <a:p>
             <a:r>
               <a:rPr lang="en-US" sz="4800" b="1" dirty="0" smtClean="0"/>
-              <a:t>Total ?? pts</a:t>
+              <a:t>Total </a:t>
+            </a:r>
+            <a:r>
+              <a:rPr lang="en-US" sz="4800" b="1" dirty="0" smtClean="0"/>
+              <a:t>68 pts</a:t>
             </a:r>
             <a:endParaRPr lang="en-US" sz="4800" b="1" dirty="0"/>
           </a:p>
@@ -3954,7 +3938,11 @@
           <a:p>
             <a:r>
               <a:rPr lang="en-US" sz="4800" b="1" dirty="0" smtClean="0"/>
-              <a:t>Total ??</a:t>
+              <a:t>Total </a:t>
+            </a:r>
+            <a:r>
+              <a:rPr lang="en-US" sz="4800" b="1" dirty="0" smtClean="0"/>
+              <a:t>36 pts</a:t>
             </a:r>
             <a:endParaRPr lang="en-US" sz="4800" b="1" dirty="0"/>
           </a:p>
@@ -3968,7 +3956,7 @@
         </p:nvSpPr>
         <p:spPr>
           <a:xfrm>
-            <a:off x="7265533" y="1060558"/>
+            <a:off x="7325607" y="1563450"/>
             <a:ext cx="2700226" cy="461665"/>
           </a:xfrm>
           <a:prstGeom prst="rect">
@@ -3992,13 +3980,13 @@
       </p:sp>
       <p:sp>
         <p:nvSpPr>
-          <p:cNvPr id="15" name="TextBox 14"/>
+          <p:cNvPr id="17" name="TextBox 16"/>
           <p:cNvSpPr txBox="1"/>
           <p:nvPr/>
         </p:nvSpPr>
         <p:spPr>
           <a:xfrm>
-            <a:off x="7325607" y="2790717"/>
+            <a:off x="7325607" y="3932580"/>
             <a:ext cx="2700226" cy="461665"/>
           </a:xfrm>
           <a:prstGeom prst="rect">
@@ -4022,13 +4010,13 @@
       </p:sp>
       <p:sp>
         <p:nvSpPr>
-          <p:cNvPr id="16" name="TextBox 15"/>
+          <p:cNvPr id="18" name="TextBox 17"/>
           <p:cNvSpPr txBox="1"/>
           <p:nvPr/>
         </p:nvSpPr>
         <p:spPr>
           <a:xfrm>
-            <a:off x="7312053" y="1970385"/>
+            <a:off x="7325607" y="2813202"/>
             <a:ext cx="2700226" cy="461665"/>
           </a:xfrm>
           <a:prstGeom prst="rect">
@@ -4052,73 +4040,13 @@
       </p:sp>
       <p:sp>
         <p:nvSpPr>
-          <p:cNvPr id="17" name="TextBox 16"/>
-          <p:cNvSpPr txBox="1"/>
-          <p:nvPr/>
-        </p:nvSpPr>
-        <p:spPr>
-          <a:xfrm>
-            <a:off x="7325607" y="4524621"/>
-            <a:ext cx="2700226" cy="461665"/>
-          </a:xfrm>
-          <a:prstGeom prst="rect">
-            <a:avLst/>
-          </a:prstGeom>
-          <a:noFill/>
-        </p:spPr>
-        <p:txBody>
-          <a:bodyPr wrap="none" rtlCol="0">
-            <a:spAutoFit/>
-          </a:bodyPr>
-          <a:lstStyle/>
-          <a:p>
-            <a:r>
-              <a:rPr lang="en-US" sz="2400" b="1" dirty="0" smtClean="0"/>
-              <a:t>Done and approved</a:t>
-            </a:r>
-            <a:endParaRPr lang="en-US" sz="2400" b="1" dirty="0"/>
-          </a:p>
-        </p:txBody>
-      </p:sp>
-      <p:sp>
-        <p:nvSpPr>
-          <p:cNvPr id="18" name="TextBox 17"/>
-          <p:cNvSpPr txBox="1"/>
-          <p:nvPr/>
-        </p:nvSpPr>
-        <p:spPr>
-          <a:xfrm>
-            <a:off x="7325607" y="3734713"/>
-            <a:ext cx="2700226" cy="461665"/>
-          </a:xfrm>
-          <a:prstGeom prst="rect">
-            <a:avLst/>
-          </a:prstGeom>
-          <a:noFill/>
-        </p:spPr>
-        <p:txBody>
-          <a:bodyPr wrap="none" rtlCol="0">
-            <a:spAutoFit/>
-          </a:bodyPr>
-          <a:lstStyle/>
-          <a:p>
-            <a:r>
-              <a:rPr lang="en-US" sz="2400" b="1" dirty="0" smtClean="0"/>
-              <a:t>Done and approved</a:t>
-            </a:r>
-            <a:endParaRPr lang="en-US" sz="2400" b="1" dirty="0"/>
-          </a:p>
-        </p:txBody>
-      </p:sp>
-      <p:sp>
-        <p:nvSpPr>
           <p:cNvPr id="19" name="TextBox 18"/>
           <p:cNvSpPr txBox="1"/>
           <p:nvPr/>
         </p:nvSpPr>
         <p:spPr>
           <a:xfrm>
-            <a:off x="7312053" y="5265918"/>
+            <a:off x="7325607" y="5213278"/>
             <a:ext cx="2700226" cy="461665"/>
           </a:xfrm>
           <a:prstGeom prst="rect">
@@ -4170,6 +4098,78 @@
           </a:fontRef>
         </p:style>
       </p:cxnSp>
+      <p:pic>
+        <p:nvPicPr>
+          <p:cNvPr id="2" name="Picture 1"/>
+          <p:cNvPicPr>
+            <a:picLocks noChangeAspect="1"/>
+          </p:cNvPicPr>
+          <p:nvPr/>
+        </p:nvPicPr>
+        <p:blipFill>
+          <a:blip r:embed="rId2"/>
+          <a:stretch>
+            <a:fillRect/>
+          </a:stretch>
+        </p:blipFill>
+        <p:spPr>
+          <a:xfrm>
+            <a:off x="131350" y="1109554"/>
+            <a:ext cx="1601916" cy="5400428"/>
+          </a:xfrm>
+          <a:prstGeom prst="rect">
+            <a:avLst/>
+          </a:prstGeom>
+        </p:spPr>
+      </p:pic>
+      <p:pic>
+        <p:nvPicPr>
+          <p:cNvPr id="4" name="Picture 3"/>
+          <p:cNvPicPr>
+            <a:picLocks noChangeAspect="1"/>
+          </p:cNvPicPr>
+          <p:nvPr/>
+        </p:nvPicPr>
+        <p:blipFill>
+          <a:blip r:embed="rId3"/>
+          <a:stretch>
+            <a:fillRect/>
+          </a:stretch>
+        </p:blipFill>
+        <p:spPr>
+          <a:xfrm>
+            <a:off x="2964599" y="1241245"/>
+            <a:ext cx="1568791" cy="2925196"/>
+          </a:xfrm>
+          <a:prstGeom prst="rect">
+            <a:avLst/>
+          </a:prstGeom>
+        </p:spPr>
+      </p:pic>
+      <p:pic>
+        <p:nvPicPr>
+          <p:cNvPr id="7" name="Picture 6"/>
+          <p:cNvPicPr>
+            <a:picLocks noChangeAspect="1"/>
+          </p:cNvPicPr>
+          <p:nvPr/>
+        </p:nvPicPr>
+        <p:blipFill>
+          <a:blip r:embed="rId4"/>
+          <a:stretch>
+            <a:fillRect/>
+          </a:stretch>
+        </p:blipFill>
+        <p:spPr>
+          <a:xfrm>
+            <a:off x="5398906" y="1236718"/>
+            <a:ext cx="1471356" cy="4768900"/>
+          </a:xfrm>
+          <a:prstGeom prst="rect">
+            <a:avLst/>
+          </a:prstGeom>
+        </p:spPr>
+      </p:pic>
     </p:spTree>
     <p:extLst>
       <p:ext uri="{BB962C8B-B14F-4D97-AF65-F5344CB8AC3E}">
@@ -4238,6 +4238,78 @@
           </a:p>
         </p:txBody>
       </p:sp>
+      <p:pic>
+        <p:nvPicPr>
+          <p:cNvPr id="6" name="Picture 5"/>
+          <p:cNvPicPr>
+            <a:picLocks noChangeAspect="1"/>
+          </p:cNvPicPr>
+          <p:nvPr/>
+        </p:nvPicPr>
+        <p:blipFill>
+          <a:blip r:embed="rId2"/>
+          <a:stretch>
+            <a:fillRect/>
+          </a:stretch>
+        </p:blipFill>
+        <p:spPr>
+          <a:xfrm>
+            <a:off x="266558" y="958683"/>
+            <a:ext cx="2244630" cy="5611575"/>
+          </a:xfrm>
+          <a:prstGeom prst="rect">
+            <a:avLst/>
+          </a:prstGeom>
+        </p:spPr>
+      </p:pic>
+      <p:pic>
+        <p:nvPicPr>
+          <p:cNvPr id="7" name="Picture 6"/>
+          <p:cNvPicPr>
+            <a:picLocks noChangeAspect="1"/>
+          </p:cNvPicPr>
+          <p:nvPr/>
+        </p:nvPicPr>
+        <p:blipFill>
+          <a:blip r:embed="rId3"/>
+          <a:stretch>
+            <a:fillRect/>
+          </a:stretch>
+        </p:blipFill>
+        <p:spPr>
+          <a:xfrm>
+            <a:off x="4315022" y="862281"/>
+            <a:ext cx="2129490" cy="5617931"/>
+          </a:xfrm>
+          <a:prstGeom prst="rect">
+            <a:avLst/>
+          </a:prstGeom>
+        </p:spPr>
+      </p:pic>
+      <p:pic>
+        <p:nvPicPr>
+          <p:cNvPr id="9" name="Picture 8"/>
+          <p:cNvPicPr>
+            <a:picLocks noChangeAspect="1"/>
+          </p:cNvPicPr>
+          <p:nvPr/>
+        </p:nvPicPr>
+        <p:blipFill>
+          <a:blip r:embed="rId4"/>
+          <a:stretch>
+            <a:fillRect/>
+          </a:stretch>
+        </p:blipFill>
+        <p:spPr>
+          <a:xfrm>
+            <a:off x="8086341" y="958683"/>
+            <a:ext cx="2163128" cy="2617030"/>
+          </a:xfrm>
+          <a:prstGeom prst="rect">
+            <a:avLst/>
+          </a:prstGeom>
+        </p:spPr>
+      </p:pic>
     </p:spTree>
     <p:extLst>
       <p:ext uri="{BB962C8B-B14F-4D97-AF65-F5344CB8AC3E}">

--- a/Documents/Our Docs/Slides/Sprint3PresentationAdrian.pptx
+++ b/Documents/Our Docs/Slides/Sprint3PresentationAdrian.pptx
@@ -207,7 +207,7 @@
           <a:p>
             <a:fld id="{87857EF3-CB16-4D9F-BA52-FAE19D95CBEC}" type="datetimeFigureOut">
               <a:rPr lang="en-US" smtClean="0"/>
-              <a:t>3/22/2015</a:t>
+              <a:t>3/23/2015</a:t>
             </a:fld>
             <a:endParaRPr lang="en-US"/>
           </a:p>
@@ -690,7 +690,7 @@
           <a:p>
             <a:fld id="{EF7662E3-674D-464C-A6F0-577B5998971D}" type="datetimeFigureOut">
               <a:rPr lang="en-US" smtClean="0"/>
-              <a:t>3/22/2015</a:t>
+              <a:t>3/23/2015</a:t>
             </a:fld>
             <a:endParaRPr lang="en-US"/>
           </a:p>
@@ -860,7 +860,7 @@
           <a:p>
             <a:fld id="{EF7662E3-674D-464C-A6F0-577B5998971D}" type="datetimeFigureOut">
               <a:rPr lang="en-US" smtClean="0"/>
-              <a:t>3/22/2015</a:t>
+              <a:t>3/23/2015</a:t>
             </a:fld>
             <a:endParaRPr lang="en-US"/>
           </a:p>
@@ -1040,7 +1040,7 @@
           <a:p>
             <a:fld id="{EF7662E3-674D-464C-A6F0-577B5998971D}" type="datetimeFigureOut">
               <a:rPr lang="en-US" smtClean="0"/>
-              <a:t>3/22/2015</a:t>
+              <a:t>3/23/2015</a:t>
             </a:fld>
             <a:endParaRPr lang="en-US"/>
           </a:p>
@@ -1210,7 +1210,7 @@
           <a:p>
             <a:fld id="{EF7662E3-674D-464C-A6F0-577B5998971D}" type="datetimeFigureOut">
               <a:rPr lang="en-US" smtClean="0"/>
-              <a:t>3/22/2015</a:t>
+              <a:t>3/23/2015</a:t>
             </a:fld>
             <a:endParaRPr lang="en-US"/>
           </a:p>
@@ -1456,7 +1456,7 @@
           <a:p>
             <a:fld id="{EF7662E3-674D-464C-A6F0-577B5998971D}" type="datetimeFigureOut">
               <a:rPr lang="en-US" smtClean="0"/>
-              <a:t>3/22/2015</a:t>
+              <a:t>3/23/2015</a:t>
             </a:fld>
             <a:endParaRPr lang="en-US"/>
           </a:p>
@@ -1688,7 +1688,7 @@
           <a:p>
             <a:fld id="{EF7662E3-674D-464C-A6F0-577B5998971D}" type="datetimeFigureOut">
               <a:rPr lang="en-US" smtClean="0"/>
-              <a:t>3/22/2015</a:t>
+              <a:t>3/23/2015</a:t>
             </a:fld>
             <a:endParaRPr lang="en-US"/>
           </a:p>
@@ -2055,7 +2055,7 @@
           <a:p>
             <a:fld id="{EF7662E3-674D-464C-A6F0-577B5998971D}" type="datetimeFigureOut">
               <a:rPr lang="en-US" smtClean="0"/>
-              <a:t>3/22/2015</a:t>
+              <a:t>3/23/2015</a:t>
             </a:fld>
             <a:endParaRPr lang="en-US"/>
           </a:p>
@@ -2173,7 +2173,7 @@
           <a:p>
             <a:fld id="{EF7662E3-674D-464C-A6F0-577B5998971D}" type="datetimeFigureOut">
               <a:rPr lang="en-US" smtClean="0"/>
-              <a:t>3/22/2015</a:t>
+              <a:t>3/23/2015</a:t>
             </a:fld>
             <a:endParaRPr lang="en-US"/>
           </a:p>
@@ -2268,7 +2268,7 @@
           <a:p>
             <a:fld id="{EF7662E3-674D-464C-A6F0-577B5998971D}" type="datetimeFigureOut">
               <a:rPr lang="en-US" smtClean="0"/>
-              <a:t>3/22/2015</a:t>
+              <a:t>3/23/2015</a:t>
             </a:fld>
             <a:endParaRPr lang="en-US"/>
           </a:p>
@@ -2545,7 +2545,7 @@
           <a:p>
             <a:fld id="{EF7662E3-674D-464C-A6F0-577B5998971D}" type="datetimeFigureOut">
               <a:rPr lang="en-US" smtClean="0"/>
-              <a:t>3/22/2015</a:t>
+              <a:t>3/23/2015</a:t>
             </a:fld>
             <a:endParaRPr lang="en-US"/>
           </a:p>
@@ -2798,7 +2798,7 @@
           <a:p>
             <a:fld id="{EF7662E3-674D-464C-A6F0-577B5998971D}" type="datetimeFigureOut">
               <a:rPr lang="en-US" smtClean="0"/>
-              <a:t>3/22/2015</a:t>
+              <a:t>3/23/2015</a:t>
             </a:fld>
             <a:endParaRPr lang="en-US"/>
           </a:p>
@@ -3011,7 +3011,7 @@
           <a:p>
             <a:fld id="{EF7662E3-674D-464C-A6F0-577B5998971D}" type="datetimeFigureOut">
               <a:rPr lang="en-US" smtClean="0"/>
-              <a:t>3/22/2015</a:t>
+              <a:t>3/23/2015</a:t>
             </a:fld>
             <a:endParaRPr lang="en-US"/>
           </a:p>
@@ -3757,7 +3757,7 @@
         </p:nvSpPr>
         <p:spPr>
           <a:xfrm>
-            <a:off x="7108888" y="2947748"/>
+            <a:off x="6561705" y="2975043"/>
             <a:ext cx="1777079" cy="1569660"/>
           </a:xfrm>
           <a:prstGeom prst="rect">
@@ -3772,17 +3772,41 @@
           <a:lstStyle/>
           <a:p>
             <a:r>
-              <a:rPr lang="en-US" sz="4800" b="1" smtClean="0"/>
+              <a:rPr lang="en-US" sz="4800" b="1" dirty="0" smtClean="0"/>
               <a:t>Total </a:t>
             </a:r>
             <a:r>
-              <a:rPr lang="en-US" sz="4800" b="1" smtClean="0"/>
-              <a:t>??pts</a:t>
+              <a:rPr lang="en-US" sz="4800" b="1" dirty="0" smtClean="0"/>
+              <a:t>36 pts</a:t>
             </a:r>
             <a:endParaRPr lang="en-US" sz="4800" b="1" dirty="0"/>
           </a:p>
         </p:txBody>
       </p:sp>
+      <p:pic>
+        <p:nvPicPr>
+          <p:cNvPr id="2" name="Picture 1"/>
+          <p:cNvPicPr>
+            <a:picLocks noChangeAspect="1"/>
+          </p:cNvPicPr>
+          <p:nvPr/>
+        </p:nvPicPr>
+        <p:blipFill>
+          <a:blip r:embed="rId2"/>
+          <a:stretch>
+            <a:fillRect/>
+          </a:stretch>
+        </p:blipFill>
+        <p:spPr>
+          <a:xfrm>
+            <a:off x="3807726" y="855091"/>
+            <a:ext cx="1651377" cy="5252432"/>
+          </a:xfrm>
+          <a:prstGeom prst="rect">
+            <a:avLst/>
+          </a:prstGeom>
+        </p:spPr>
+      </p:pic>
     </p:spTree>
     <p:extLst>
       <p:ext uri="{BB962C8B-B14F-4D97-AF65-F5344CB8AC3E}">
@@ -3904,11 +3928,7 @@
           <a:p>
             <a:r>
               <a:rPr lang="en-US" sz="4800" b="1" dirty="0" smtClean="0"/>
-              <a:t>Total </a:t>
-            </a:r>
-            <a:r>
-              <a:rPr lang="en-US" sz="4800" b="1" dirty="0" smtClean="0"/>
-              <a:t>68 pts</a:t>
+              <a:t>Total 68 pts</a:t>
             </a:r>
             <a:endParaRPr lang="en-US" sz="4800" b="1" dirty="0"/>
           </a:p>
@@ -3938,11 +3958,7 @@
           <a:p>
             <a:r>
               <a:rPr lang="en-US" sz="4800" b="1" dirty="0" smtClean="0"/>
-              <a:t>Total </a:t>
-            </a:r>
-            <a:r>
-              <a:rPr lang="en-US" sz="4800" b="1" dirty="0" smtClean="0"/>
-              <a:t>36 pts</a:t>
+              <a:t>Total 36 pts</a:t>
             </a:r>
             <a:endParaRPr lang="en-US" sz="4800" b="1" dirty="0"/>
           </a:p>
@@ -4859,6 +4875,36 @@
           </a:p>
         </p:txBody>
       </p:sp>
+      <p:pic>
+        <p:nvPicPr>
+          <p:cNvPr id="2" name="Picture 1"/>
+          <p:cNvPicPr>
+            <a:picLocks noChangeAspect="1"/>
+          </p:cNvPicPr>
+          <p:nvPr/>
+        </p:nvPicPr>
+        <p:blipFill>
+          <a:blip r:embed="rId2">
+            <a:extLst>
+              <a:ext uri="{28A0092B-C50C-407E-A947-70E740481C1C}">
+                <a14:useLocalDpi xmlns:a14="http://schemas.microsoft.com/office/drawing/2010/main" val="0"/>
+              </a:ext>
+            </a:extLst>
+          </a:blip>
+          <a:stretch>
+            <a:fillRect/>
+          </a:stretch>
+        </p:blipFill>
+        <p:spPr>
+          <a:xfrm>
+            <a:off x="1270378" y="1154087"/>
+            <a:ext cx="9811604" cy="5035171"/>
+          </a:xfrm>
+          <a:prstGeom prst="rect">
+            <a:avLst/>
+          </a:prstGeom>
+        </p:spPr>
+      </p:pic>
     </p:spTree>
     <p:extLst>
       <p:ext uri="{BB962C8B-B14F-4D97-AF65-F5344CB8AC3E}">

--- a/Documents/Our Docs/Slides/Sprint3PresentationAdrian.pptx
+++ b/Documents/Our Docs/Slides/Sprint3PresentationAdrian.pptx
@@ -3773,11 +3773,7 @@
           <a:p>
             <a:r>
               <a:rPr lang="en-US" sz="4800" b="1" dirty="0" smtClean="0"/>
-              <a:t>Total </a:t>
-            </a:r>
-            <a:r>
-              <a:rPr lang="en-US" sz="4800" b="1" dirty="0" smtClean="0"/>
-              <a:t>36 pts</a:t>
+              <a:t>Total 36 pts</a:t>
             </a:r>
             <a:endParaRPr lang="en-US" sz="4800" b="1" dirty="0"/>
           </a:p>
@@ -3927,8 +3923,16 @@
           <a:lstStyle/>
           <a:p>
             <a:r>
+              <a:rPr lang="en-US" sz="4800" b="1" smtClean="0"/>
+              <a:t>Total </a:t>
+            </a:r>
+            <a:r>
+              <a:rPr lang="en-US" sz="4800" b="1" smtClean="0"/>
+              <a:t>64 </a:t>
+            </a:r>
+            <a:r>
               <a:rPr lang="en-US" sz="4800" b="1" dirty="0" smtClean="0"/>
-              <a:t>Total 68 pts</a:t>
+              <a:t>pts</a:t>
             </a:r>
             <a:endParaRPr lang="en-US" sz="4800" b="1" dirty="0"/>
           </a:p>

--- a/Documents/Our Docs/Slides/Sprint3PresentationAdrian.pptx
+++ b/Documents/Our Docs/Slides/Sprint3PresentationAdrian.pptx
@@ -207,7 +207,7 @@
           <a:p>
             <a:fld id="{87857EF3-CB16-4D9F-BA52-FAE19D95CBEC}" type="datetimeFigureOut">
               <a:rPr lang="en-US" smtClean="0"/>
-              <a:t>3/23/2015</a:t>
+              <a:t>3/30/2015</a:t>
             </a:fld>
             <a:endParaRPr lang="en-US"/>
           </a:p>
@@ -690,7 +690,7 @@
           <a:p>
             <a:fld id="{EF7662E3-674D-464C-A6F0-577B5998971D}" type="datetimeFigureOut">
               <a:rPr lang="en-US" smtClean="0"/>
-              <a:t>3/23/2015</a:t>
+              <a:t>3/30/2015</a:t>
             </a:fld>
             <a:endParaRPr lang="en-US"/>
           </a:p>
@@ -860,7 +860,7 @@
           <a:p>
             <a:fld id="{EF7662E3-674D-464C-A6F0-577B5998971D}" type="datetimeFigureOut">
               <a:rPr lang="en-US" smtClean="0"/>
-              <a:t>3/23/2015</a:t>
+              <a:t>3/30/2015</a:t>
             </a:fld>
             <a:endParaRPr lang="en-US"/>
           </a:p>
@@ -1040,7 +1040,7 @@
           <a:p>
             <a:fld id="{EF7662E3-674D-464C-A6F0-577B5998971D}" type="datetimeFigureOut">
               <a:rPr lang="en-US" smtClean="0"/>
-              <a:t>3/23/2015</a:t>
+              <a:t>3/30/2015</a:t>
             </a:fld>
             <a:endParaRPr lang="en-US"/>
           </a:p>
@@ -1210,7 +1210,7 @@
           <a:p>
             <a:fld id="{EF7662E3-674D-464C-A6F0-577B5998971D}" type="datetimeFigureOut">
               <a:rPr lang="en-US" smtClean="0"/>
-              <a:t>3/23/2015</a:t>
+              <a:t>3/30/2015</a:t>
             </a:fld>
             <a:endParaRPr lang="en-US"/>
           </a:p>
@@ -1456,7 +1456,7 @@
           <a:p>
             <a:fld id="{EF7662E3-674D-464C-A6F0-577B5998971D}" type="datetimeFigureOut">
               <a:rPr lang="en-US" smtClean="0"/>
-              <a:t>3/23/2015</a:t>
+              <a:t>3/30/2015</a:t>
             </a:fld>
             <a:endParaRPr lang="en-US"/>
           </a:p>
@@ -1688,7 +1688,7 @@
           <a:p>
             <a:fld id="{EF7662E3-674D-464C-A6F0-577B5998971D}" type="datetimeFigureOut">
               <a:rPr lang="en-US" smtClean="0"/>
-              <a:t>3/23/2015</a:t>
+              <a:t>3/30/2015</a:t>
             </a:fld>
             <a:endParaRPr lang="en-US"/>
           </a:p>
@@ -2055,7 +2055,7 @@
           <a:p>
             <a:fld id="{EF7662E3-674D-464C-A6F0-577B5998971D}" type="datetimeFigureOut">
               <a:rPr lang="en-US" smtClean="0"/>
-              <a:t>3/23/2015</a:t>
+              <a:t>3/30/2015</a:t>
             </a:fld>
             <a:endParaRPr lang="en-US"/>
           </a:p>
@@ -2173,7 +2173,7 @@
           <a:p>
             <a:fld id="{EF7662E3-674D-464C-A6F0-577B5998971D}" type="datetimeFigureOut">
               <a:rPr lang="en-US" smtClean="0"/>
-              <a:t>3/23/2015</a:t>
+              <a:t>3/30/2015</a:t>
             </a:fld>
             <a:endParaRPr lang="en-US"/>
           </a:p>
@@ -2268,7 +2268,7 @@
           <a:p>
             <a:fld id="{EF7662E3-674D-464C-A6F0-577B5998971D}" type="datetimeFigureOut">
               <a:rPr lang="en-US" smtClean="0"/>
-              <a:t>3/23/2015</a:t>
+              <a:t>3/30/2015</a:t>
             </a:fld>
             <a:endParaRPr lang="en-US"/>
           </a:p>
@@ -2545,7 +2545,7 @@
           <a:p>
             <a:fld id="{EF7662E3-674D-464C-A6F0-577B5998971D}" type="datetimeFigureOut">
               <a:rPr lang="en-US" smtClean="0"/>
-              <a:t>3/23/2015</a:t>
+              <a:t>3/30/2015</a:t>
             </a:fld>
             <a:endParaRPr lang="en-US"/>
           </a:p>
@@ -2798,7 +2798,7 @@
           <a:p>
             <a:fld id="{EF7662E3-674D-464C-A6F0-577B5998971D}" type="datetimeFigureOut">
               <a:rPr lang="en-US" smtClean="0"/>
-              <a:t>3/23/2015</a:t>
+              <a:t>3/30/2015</a:t>
             </a:fld>
             <a:endParaRPr lang="en-US"/>
           </a:p>
@@ -3011,7 +3011,7 @@
           <a:p>
             <a:fld id="{EF7662E3-674D-464C-A6F0-577B5998971D}" type="datetimeFigureOut">
               <a:rPr lang="en-US" smtClean="0"/>
-              <a:t>3/23/2015</a:t>
+              <a:t>3/30/2015</a:t>
             </a:fld>
             <a:endParaRPr lang="en-US"/>
           </a:p>
@@ -3743,7 +3743,15 @@
           <a:p>
             <a:r>
               <a:rPr lang="en-US" sz="5400" b="1" dirty="0" smtClean="0"/>
-              <a:t>Sprint 3 Stories</a:t>
+              <a:t>Sprint </a:t>
+            </a:r>
+            <a:r>
+              <a:rPr lang="en-US" sz="5400" b="1" dirty="0" smtClean="0"/>
+              <a:t>4 </a:t>
+            </a:r>
+            <a:r>
+              <a:rPr lang="en-US" sz="5400" b="1" dirty="0" smtClean="0"/>
+              <a:t>Stories</a:t>
             </a:r>
             <a:endParaRPr lang="en-US" sz="5400" b="1" dirty="0"/>
           </a:p>
@@ -3757,7 +3765,7 @@
         </p:nvSpPr>
         <p:spPr>
           <a:xfrm>
-            <a:off x="6561705" y="2975043"/>
+            <a:off x="8062959" y="2633849"/>
             <a:ext cx="1777079" cy="1569660"/>
           </a:xfrm>
           <a:prstGeom prst="rect">
@@ -3773,7 +3781,11 @@
           <a:p>
             <a:r>
               <a:rPr lang="en-US" sz="4800" b="1" dirty="0" smtClean="0"/>
-              <a:t>Total 36 pts</a:t>
+              <a:t>Total </a:t>
+            </a:r>
+            <a:r>
+              <a:rPr lang="en-US" sz="4800" b="1" dirty="0" smtClean="0"/>
+              <a:t>40pts</a:t>
             </a:r>
             <a:endParaRPr lang="en-US" sz="4800" b="1" dirty="0"/>
           </a:p>
@@ -3781,7 +3793,7 @@
       </p:sp>
       <p:pic>
         <p:nvPicPr>
-          <p:cNvPr id="2" name="Picture 1"/>
+          <p:cNvPr id="3" name="Picture 2"/>
           <p:cNvPicPr>
             <a:picLocks noChangeAspect="1"/>
           </p:cNvPicPr>
@@ -3795,8 +3807,32 @@
         </p:blipFill>
         <p:spPr>
           <a:xfrm>
-            <a:off x="3807726" y="855091"/>
-            <a:ext cx="1651377" cy="5252432"/>
+            <a:off x="1979279" y="855091"/>
+            <a:ext cx="2633663" cy="5815534"/>
+          </a:xfrm>
+          <a:prstGeom prst="rect">
+            <a:avLst/>
+          </a:prstGeom>
+        </p:spPr>
+      </p:pic>
+      <p:pic>
+        <p:nvPicPr>
+          <p:cNvPr id="4" name="Picture 3"/>
+          <p:cNvPicPr>
+            <a:picLocks noChangeAspect="1"/>
+          </p:cNvPicPr>
+          <p:nvPr/>
+        </p:nvPicPr>
+        <p:blipFill>
+          <a:blip r:embed="rId3"/>
+          <a:stretch>
+            <a:fillRect/>
+          </a:stretch>
+        </p:blipFill>
+        <p:spPr>
+          <a:xfrm>
+            <a:off x="5117913" y="855091"/>
+            <a:ext cx="2279174" cy="4685900"/>
           </a:xfrm>
           <a:prstGeom prst="rect">
             <a:avLst/>
@@ -3924,11 +3960,7 @@
           <a:p>
             <a:r>
               <a:rPr lang="en-US" sz="4800" b="1" smtClean="0"/>
-              <a:t>Total </a:t>
-            </a:r>
-            <a:r>
-              <a:rPr lang="en-US" sz="4800" b="1" smtClean="0"/>
-              <a:t>64 </a:t>
+              <a:t>Total 64 </a:t>
             </a:r>
             <a:r>
               <a:rPr lang="en-US" sz="4800" b="1" dirty="0" smtClean="0"/>
